--- a/doc/c#_teach/c#_prepration.pptx
+++ b/doc/c#_teach/c#_prepration.pptx
@@ -201,7 +201,7 @@
           <a:p>
             <a:fld id="{890C5448-3B99-490C-ADA0-94BB4B512256}" type="datetimeFigureOut">
               <a:rPr lang="en-US" smtClean="0"/>
-              <a:t>11/20/2017</a:t>
+              <a:t>11/22/2017</a:t>
             </a:fld>
             <a:endParaRPr lang="en-US"/>
           </a:p>
@@ -804,7 +804,7 @@
           <a:p>
             <a:fld id="{5F2F6395-FEF5-46A5-9842-96D866342840}" type="datetimeFigureOut">
               <a:rPr lang="en-US" smtClean="0"/>
-              <a:t>11/20/2017</a:t>
+              <a:t>11/22/2017</a:t>
             </a:fld>
             <a:endParaRPr lang="en-US"/>
           </a:p>
@@ -1892,7 +1892,7 @@
           <a:p>
             <a:fld id="{5F2F6395-FEF5-46A5-9842-96D866342840}" type="datetimeFigureOut">
               <a:rPr lang="en-US" smtClean="0"/>
-              <a:t>11/20/2017</a:t>
+              <a:t>11/22/2017</a:t>
             </a:fld>
             <a:endParaRPr lang="en-US"/>
           </a:p>
@@ -2872,7 +2872,7 @@
           <a:p>
             <a:fld id="{5F2F6395-FEF5-46A5-9842-96D866342840}" type="datetimeFigureOut">
               <a:rPr lang="en-US" smtClean="0"/>
-              <a:t>11/20/2017</a:t>
+              <a:t>11/22/2017</a:t>
             </a:fld>
             <a:endParaRPr lang="en-US"/>
           </a:p>
@@ -4006,7 +4006,7 @@
           <a:p>
             <a:fld id="{5F2F6395-FEF5-46A5-9842-96D866342840}" type="datetimeFigureOut">
               <a:rPr lang="en-US" smtClean="0"/>
-              <a:t>11/20/2017</a:t>
+              <a:t>11/22/2017</a:t>
             </a:fld>
             <a:endParaRPr lang="en-US"/>
           </a:p>
@@ -5039,7 +5039,7 @@
           <a:p>
             <a:fld id="{5F2F6395-FEF5-46A5-9842-96D866342840}" type="datetimeFigureOut">
               <a:rPr lang="en-US" smtClean="0"/>
-              <a:t>11/20/2017</a:t>
+              <a:t>11/22/2017</a:t>
             </a:fld>
             <a:endParaRPr lang="en-US"/>
           </a:p>
@@ -5699,7 +5699,7 @@
           <a:p>
             <a:fld id="{5F2F6395-FEF5-46A5-9842-96D866342840}" type="datetimeFigureOut">
               <a:rPr lang="en-US" smtClean="0"/>
-              <a:t>11/20/2017</a:t>
+              <a:t>11/22/2017</a:t>
             </a:fld>
             <a:endParaRPr lang="en-US"/>
           </a:p>
@@ -6560,7 +6560,7 @@
           <a:p>
             <a:fld id="{5F2F6395-FEF5-46A5-9842-96D866342840}" type="datetimeFigureOut">
               <a:rPr lang="en-US" smtClean="0"/>
-              <a:t>11/20/2017</a:t>
+              <a:t>11/22/2017</a:t>
             </a:fld>
             <a:endParaRPr lang="en-US"/>
           </a:p>
@@ -6750,7 +6750,7 @@
           <a:p>
             <a:fld id="{5F2F6395-FEF5-46A5-9842-96D866342840}" type="datetimeFigureOut">
               <a:rPr lang="en-US" smtClean="0"/>
-              <a:t>11/20/2017</a:t>
+              <a:t>11/22/2017</a:t>
             </a:fld>
             <a:endParaRPr lang="en-US"/>
           </a:p>
@@ -7722,7 +7722,7 @@
           <a:p>
             <a:fld id="{5F2F6395-FEF5-46A5-9842-96D866342840}" type="datetimeFigureOut">
               <a:rPr lang="en-US" smtClean="0"/>
-              <a:t>11/20/2017</a:t>
+              <a:t>11/22/2017</a:t>
             </a:fld>
             <a:endParaRPr lang="en-US"/>
           </a:p>
@@ -9043,7 +9043,7 @@
           <a:p>
             <a:fld id="{5F2F6395-FEF5-46A5-9842-96D866342840}" type="datetimeFigureOut">
               <a:rPr lang="en-US" smtClean="0"/>
-              <a:t>11/20/2017</a:t>
+              <a:t>11/22/2017</a:t>
             </a:fld>
             <a:endParaRPr lang="en-US"/>
           </a:p>
@@ -9315,7 +9315,7 @@
           <a:p>
             <a:fld id="{5F2F6395-FEF5-46A5-9842-96D866342840}" type="datetimeFigureOut">
               <a:rPr lang="en-US" smtClean="0"/>
-              <a:t>11/20/2017</a:t>
+              <a:t>11/22/2017</a:t>
             </a:fld>
             <a:endParaRPr lang="en-US"/>
           </a:p>
@@ -9725,7 +9725,7 @@
           <a:p>
             <a:fld id="{5F2F6395-FEF5-46A5-9842-96D866342840}" type="datetimeFigureOut">
               <a:rPr lang="en-US" smtClean="0"/>
-              <a:t>11/20/2017</a:t>
+              <a:t>11/22/2017</a:t>
             </a:fld>
             <a:endParaRPr lang="en-US"/>
           </a:p>
@@ -9852,7 +9852,7 @@
           <a:p>
             <a:fld id="{5F2F6395-FEF5-46A5-9842-96D866342840}" type="datetimeFigureOut">
               <a:rPr lang="en-US" smtClean="0"/>
-              <a:t>11/20/2017</a:t>
+              <a:t>11/22/2017</a:t>
             </a:fld>
             <a:endParaRPr lang="en-US"/>
           </a:p>
@@ -9947,7 +9947,7 @@
           <a:p>
             <a:fld id="{5F2F6395-FEF5-46A5-9842-96D866342840}" type="datetimeFigureOut">
               <a:rPr lang="en-US" smtClean="0"/>
-              <a:t>11/20/2017</a:t>
+              <a:t>11/22/2017</a:t>
             </a:fld>
             <a:endParaRPr lang="en-US"/>
           </a:p>
@@ -11028,7 +11028,7 @@
           <a:p>
             <a:fld id="{5F2F6395-FEF5-46A5-9842-96D866342840}" type="datetimeFigureOut">
               <a:rPr lang="en-US" smtClean="0"/>
-              <a:t>11/20/2017</a:t>
+              <a:t>11/22/2017</a:t>
             </a:fld>
             <a:endParaRPr lang="en-US"/>
           </a:p>
@@ -12136,7 +12136,7 @@
           <a:p>
             <a:fld id="{5F2F6395-FEF5-46A5-9842-96D866342840}" type="datetimeFigureOut">
               <a:rPr lang="en-US" smtClean="0"/>
-              <a:t>11/20/2017</a:t>
+              <a:t>11/22/2017</a:t>
             </a:fld>
             <a:endParaRPr lang="en-US"/>
           </a:p>
@@ -13133,7 +13133,7 @@
           <a:p>
             <a:fld id="{5F2F6395-FEF5-46A5-9842-96D866342840}" type="datetimeFigureOut">
               <a:rPr lang="en-US" smtClean="0"/>
-              <a:t>11/20/2017</a:t>
+              <a:t>11/22/2017</a:t>
             </a:fld>
             <a:endParaRPr lang="en-US"/>
           </a:p>
@@ -13743,12 +13743,14 @@
         </p:nvSpPr>
         <p:spPr/>
         <p:txBody>
-          <a:bodyPr/>
+          <a:bodyPr>
+            <a:normAutofit/>
+          </a:bodyPr>
           <a:lstStyle/>
           <a:p>
             <a:pPr algn="r"/>
             <a:r>
-              <a:rPr lang="fa-IR" dirty="0" smtClean="0">
+              <a:rPr lang="fa-IR" sz="2400" dirty="0" smtClean="0">
                 <a:solidFill>
                   <a:schemeClr val="bg1"/>
                 </a:solidFill>
@@ -13756,7 +13758,7 @@
               </a:rPr>
               <a:t>مقدمات</a:t>
             </a:r>
-            <a:endParaRPr lang="en-US" dirty="0">
+            <a:endParaRPr lang="en-US" sz="2400" dirty="0">
               <a:solidFill>
                 <a:schemeClr val="bg1"/>
               </a:solidFill>
@@ -14030,6 +14032,204 @@
                   </a:srgbClr>
                 </a:outerShdw>
               </a:effectLst>
+              <a:cs typeface="B Nazanin" panose="00000400000000000000" pitchFamily="2" charset="-78"/>
+            </a:endParaRPr>
+          </a:p>
+        </p:txBody>
+      </p:sp>
+      <p:sp>
+        <p:nvSpPr>
+          <p:cNvPr id="6" name="TextBox 5"/>
+          <p:cNvSpPr txBox="1"/>
+          <p:nvPr/>
+        </p:nvSpPr>
+        <p:spPr>
+          <a:xfrm>
+            <a:off x="513920" y="5418987"/>
+            <a:ext cx="4697099" cy="923330"/>
+          </a:xfrm>
+          <a:prstGeom prst="rect">
+            <a:avLst/>
+          </a:prstGeom>
+          <a:noFill/>
+        </p:spPr>
+        <p:txBody>
+          <a:bodyPr wrap="square" rtlCol="0">
+            <a:spAutoFit/>
+          </a:bodyPr>
+          <a:lstStyle>
+            <a:defPPr>
+              <a:defRPr lang="en-US"/>
+            </a:defPPr>
+            <a:lvl1pPr marL="0" algn="l" defTabSz="914400" rtl="0" eaLnBrk="1" latinLnBrk="0" hangingPunct="1">
+              <a:defRPr sz="1800" kern="1200">
+                <a:solidFill>
+                  <a:schemeClr val="tx1"/>
+                </a:solidFill>
+                <a:latin typeface="+mn-lt"/>
+                <a:ea typeface="+mn-ea"/>
+                <a:cs typeface="+mn-cs"/>
+              </a:defRPr>
+            </a:lvl1pPr>
+            <a:lvl2pPr marL="457200" algn="l" defTabSz="914400" rtl="0" eaLnBrk="1" latinLnBrk="0" hangingPunct="1">
+              <a:defRPr sz="1800" kern="1200">
+                <a:solidFill>
+                  <a:schemeClr val="tx1"/>
+                </a:solidFill>
+                <a:latin typeface="+mn-lt"/>
+                <a:ea typeface="+mn-ea"/>
+                <a:cs typeface="+mn-cs"/>
+              </a:defRPr>
+            </a:lvl2pPr>
+            <a:lvl3pPr marL="914400" algn="l" defTabSz="914400" rtl="0" eaLnBrk="1" latinLnBrk="0" hangingPunct="1">
+              <a:defRPr sz="1800" kern="1200">
+                <a:solidFill>
+                  <a:schemeClr val="tx1"/>
+                </a:solidFill>
+                <a:latin typeface="+mn-lt"/>
+                <a:ea typeface="+mn-ea"/>
+                <a:cs typeface="+mn-cs"/>
+              </a:defRPr>
+            </a:lvl3pPr>
+            <a:lvl4pPr marL="1371600" algn="l" defTabSz="914400" rtl="0" eaLnBrk="1" latinLnBrk="0" hangingPunct="1">
+              <a:defRPr sz="1800" kern="1200">
+                <a:solidFill>
+                  <a:schemeClr val="tx1"/>
+                </a:solidFill>
+                <a:latin typeface="+mn-lt"/>
+                <a:ea typeface="+mn-ea"/>
+                <a:cs typeface="+mn-cs"/>
+              </a:defRPr>
+            </a:lvl4pPr>
+            <a:lvl5pPr marL="1828800" algn="l" defTabSz="914400" rtl="0" eaLnBrk="1" latinLnBrk="0" hangingPunct="1">
+              <a:defRPr sz="1800" kern="1200">
+                <a:solidFill>
+                  <a:schemeClr val="tx1"/>
+                </a:solidFill>
+                <a:latin typeface="+mn-lt"/>
+                <a:ea typeface="+mn-ea"/>
+                <a:cs typeface="+mn-cs"/>
+              </a:defRPr>
+            </a:lvl5pPr>
+            <a:lvl6pPr marL="2286000" algn="l" defTabSz="914400" rtl="0" eaLnBrk="1" latinLnBrk="0" hangingPunct="1">
+              <a:defRPr sz="1800" kern="1200">
+                <a:solidFill>
+                  <a:schemeClr val="tx1"/>
+                </a:solidFill>
+                <a:latin typeface="+mn-lt"/>
+                <a:ea typeface="+mn-ea"/>
+                <a:cs typeface="+mn-cs"/>
+              </a:defRPr>
+            </a:lvl6pPr>
+            <a:lvl7pPr marL="2743200" algn="l" defTabSz="914400" rtl="0" eaLnBrk="1" latinLnBrk="0" hangingPunct="1">
+              <a:defRPr sz="1800" kern="1200">
+                <a:solidFill>
+                  <a:schemeClr val="tx1"/>
+                </a:solidFill>
+                <a:latin typeface="+mn-lt"/>
+                <a:ea typeface="+mn-ea"/>
+                <a:cs typeface="+mn-cs"/>
+              </a:defRPr>
+            </a:lvl7pPr>
+            <a:lvl8pPr marL="3200400" algn="l" defTabSz="914400" rtl="0" eaLnBrk="1" latinLnBrk="0" hangingPunct="1">
+              <a:defRPr sz="1800" kern="1200">
+                <a:solidFill>
+                  <a:schemeClr val="tx1"/>
+                </a:solidFill>
+                <a:latin typeface="+mn-lt"/>
+                <a:ea typeface="+mn-ea"/>
+                <a:cs typeface="+mn-cs"/>
+              </a:defRPr>
+            </a:lvl8pPr>
+            <a:lvl9pPr marL="3657600" algn="l" defTabSz="914400" rtl="0" eaLnBrk="1" latinLnBrk="0" hangingPunct="1">
+              <a:defRPr sz="1800" kern="1200">
+                <a:solidFill>
+                  <a:schemeClr val="tx1"/>
+                </a:solidFill>
+                <a:latin typeface="+mn-lt"/>
+                <a:ea typeface="+mn-ea"/>
+                <a:cs typeface="+mn-cs"/>
+              </a:defRPr>
+            </a:lvl9pPr>
+          </a:lstStyle>
+          <a:p>
+            <a:pPr algn="r" rtl="1"/>
+            <a:r>
+              <a:rPr lang="fa-IR" dirty="0">
+                <a:solidFill>
+                  <a:schemeClr val="bg1"/>
+                </a:solidFill>
+                <a:cs typeface="B Nazanin" panose="00000400000000000000" pitchFamily="2" charset="-78"/>
+              </a:rPr>
+              <a:t>تنظیم: سهیل </a:t>
+            </a:r>
+            <a:r>
+              <a:rPr lang="fa-IR" dirty="0" smtClean="0">
+                <a:solidFill>
+                  <a:schemeClr val="bg1"/>
+                </a:solidFill>
+                <a:cs typeface="B Nazanin" panose="00000400000000000000" pitchFamily="2" charset="-78"/>
+              </a:rPr>
+              <a:t>رمضانزاده (</a:t>
+            </a:r>
+            <a:r>
+              <a:rPr lang="en-US" dirty="0" smtClean="0">
+                <a:solidFill>
+                  <a:schemeClr val="bg1"/>
+                </a:solidFill>
+                <a:cs typeface="B Nazanin" panose="00000400000000000000" pitchFamily="2" charset="-78"/>
+              </a:rPr>
+              <a:t>soheillamso@gmail.com</a:t>
+            </a:r>
+            <a:r>
+              <a:rPr lang="fa-IR" dirty="0" smtClean="0">
+                <a:solidFill>
+                  <a:schemeClr val="bg1"/>
+                </a:solidFill>
+                <a:cs typeface="B Nazanin" panose="00000400000000000000" pitchFamily="2" charset="-78"/>
+              </a:rPr>
+              <a:t>)</a:t>
+            </a:r>
+            <a:endParaRPr lang="en-US" dirty="0">
+              <a:solidFill>
+                <a:schemeClr val="bg1"/>
+              </a:solidFill>
+              <a:cs typeface="B Nazanin" panose="00000400000000000000" pitchFamily="2" charset="-78"/>
+            </a:endParaRPr>
+          </a:p>
+          <a:p>
+            <a:pPr algn="r" rtl="1"/>
+            <a:r>
+              <a:rPr lang="fa-IR" dirty="0">
+                <a:solidFill>
+                  <a:schemeClr val="bg1"/>
+                </a:solidFill>
+                <a:cs typeface="B Nazanin" panose="00000400000000000000" pitchFamily="2" charset="-78"/>
+              </a:rPr>
+              <a:t>آخرین بروزرسانی : </a:t>
+            </a:r>
+            <a:r>
+              <a:rPr lang="fa-IR" dirty="0" smtClean="0">
+                <a:solidFill>
+                  <a:schemeClr val="bg1"/>
+                </a:solidFill>
+                <a:cs typeface="B Nazanin" panose="00000400000000000000" pitchFamily="2" charset="-78"/>
+              </a:rPr>
+              <a:t>1396/08/01</a:t>
+            </a:r>
+            <a:endParaRPr lang="fa-IR" dirty="0">
+              <a:solidFill>
+                <a:schemeClr val="bg1"/>
+              </a:solidFill>
+              <a:cs typeface="B Nazanin" panose="00000400000000000000" pitchFamily="2" charset="-78"/>
+            </a:endParaRPr>
+          </a:p>
+          <a:p>
+            <a:pPr algn="r" rtl="1"/>
+            <a:endParaRPr lang="en-US" dirty="0">
+              <a:solidFill>
+                <a:schemeClr val="bg1"/>
+              </a:solidFill>
               <a:cs typeface="B Nazanin" panose="00000400000000000000" pitchFamily="2" charset="-78"/>
             </a:endParaRPr>
           </a:p>
